--- a/Bug Scope_flowchart.pptx
+++ b/Bug Scope_flowchart.pptx
@@ -289,7 +289,7 @@
           <a:p>
             <a:fld id="{37407710-B05E-4F4C-94B8-08B605C9C57D}" type="datetimeFigureOut">
               <a:rPr lang="en-US" smtClean="0"/>
-              <a:t>12/1/14</a:t>
+              <a:t>12/5/14</a:t>
             </a:fld>
             <a:endParaRPr lang="en-US"/>
           </a:p>
@@ -459,7 +459,7 @@
           <a:p>
             <a:fld id="{37407710-B05E-4F4C-94B8-08B605C9C57D}" type="datetimeFigureOut">
               <a:rPr lang="en-US" smtClean="0"/>
-              <a:t>12/1/14</a:t>
+              <a:t>12/5/14</a:t>
             </a:fld>
             <a:endParaRPr lang="en-US"/>
           </a:p>
@@ -639,7 +639,7 @@
           <a:p>
             <a:fld id="{37407710-B05E-4F4C-94B8-08B605C9C57D}" type="datetimeFigureOut">
               <a:rPr lang="en-US" smtClean="0"/>
-              <a:t>12/1/14</a:t>
+              <a:t>12/5/14</a:t>
             </a:fld>
             <a:endParaRPr lang="en-US"/>
           </a:p>
@@ -809,7 +809,7 @@
           <a:p>
             <a:fld id="{37407710-B05E-4F4C-94B8-08B605C9C57D}" type="datetimeFigureOut">
               <a:rPr lang="en-US" smtClean="0"/>
-              <a:t>12/1/14</a:t>
+              <a:t>12/5/14</a:t>
             </a:fld>
             <a:endParaRPr lang="en-US"/>
           </a:p>
@@ -1055,7 +1055,7 @@
           <a:p>
             <a:fld id="{37407710-B05E-4F4C-94B8-08B605C9C57D}" type="datetimeFigureOut">
               <a:rPr lang="en-US" smtClean="0"/>
-              <a:t>12/1/14</a:t>
+              <a:t>12/5/14</a:t>
             </a:fld>
             <a:endParaRPr lang="en-US"/>
           </a:p>
@@ -1343,7 +1343,7 @@
           <a:p>
             <a:fld id="{37407710-B05E-4F4C-94B8-08B605C9C57D}" type="datetimeFigureOut">
               <a:rPr lang="en-US" smtClean="0"/>
-              <a:t>12/1/14</a:t>
+              <a:t>12/5/14</a:t>
             </a:fld>
             <a:endParaRPr lang="en-US"/>
           </a:p>
@@ -1765,7 +1765,7 @@
           <a:p>
             <a:fld id="{37407710-B05E-4F4C-94B8-08B605C9C57D}" type="datetimeFigureOut">
               <a:rPr lang="en-US" smtClean="0"/>
-              <a:t>12/1/14</a:t>
+              <a:t>12/5/14</a:t>
             </a:fld>
             <a:endParaRPr lang="en-US"/>
           </a:p>
@@ -1883,7 +1883,7 @@
           <a:p>
             <a:fld id="{37407710-B05E-4F4C-94B8-08B605C9C57D}" type="datetimeFigureOut">
               <a:rPr lang="en-US" smtClean="0"/>
-              <a:t>12/1/14</a:t>
+              <a:t>12/5/14</a:t>
             </a:fld>
             <a:endParaRPr lang="en-US"/>
           </a:p>
@@ -1978,7 +1978,7 @@
           <a:p>
             <a:fld id="{37407710-B05E-4F4C-94B8-08B605C9C57D}" type="datetimeFigureOut">
               <a:rPr lang="en-US" smtClean="0"/>
-              <a:t>12/1/14</a:t>
+              <a:t>12/5/14</a:t>
             </a:fld>
             <a:endParaRPr lang="en-US"/>
           </a:p>
@@ -2255,7 +2255,7 @@
           <a:p>
             <a:fld id="{37407710-B05E-4F4C-94B8-08B605C9C57D}" type="datetimeFigureOut">
               <a:rPr lang="en-US" smtClean="0"/>
-              <a:t>12/1/14</a:t>
+              <a:t>12/5/14</a:t>
             </a:fld>
             <a:endParaRPr lang="en-US"/>
           </a:p>
@@ -2508,7 +2508,7 @@
           <a:p>
             <a:fld id="{37407710-B05E-4F4C-94B8-08B605C9C57D}" type="datetimeFigureOut">
               <a:rPr lang="en-US" smtClean="0"/>
-              <a:t>12/1/14</a:t>
+              <a:t>12/5/14</a:t>
             </a:fld>
             <a:endParaRPr lang="en-US"/>
           </a:p>
@@ -2721,7 +2721,7 @@
           <a:p>
             <a:fld id="{37407710-B05E-4F4C-94B8-08B605C9C57D}" type="datetimeFigureOut">
               <a:rPr lang="en-US" smtClean="0"/>
-              <a:t>12/1/14</a:t>
+              <a:t>12/5/14</a:t>
             </a:fld>
             <a:endParaRPr lang="en-US"/>
           </a:p>
@@ -4167,23 +4167,7 @@
                   <a:srgbClr val="000000"/>
                 </a:solidFill>
               </a:rPr>
-              <a:t>Input </a:t>
-            </a:r>
-            <a:r>
-              <a:rPr lang="en-US" sz="1400" dirty="0" smtClean="0">
-                <a:solidFill>
-                  <a:srgbClr val="000000"/>
-                </a:solidFill>
-              </a:rPr>
-              <a:t>&gt;3 </a:t>
-            </a:r>
-            <a:r>
-              <a:rPr lang="en-US" sz="1400" dirty="0" smtClean="0">
-                <a:solidFill>
-                  <a:srgbClr val="000000"/>
-                </a:solidFill>
-              </a:rPr>
-              <a:t>Char?</a:t>
+              <a:t>Input &gt;3 Char?</a:t>
             </a:r>
             <a:endParaRPr lang="en-US" sz="1400" dirty="0">
               <a:solidFill>
@@ -4201,7 +4185,7 @@
         </p:nvSpPr>
         <p:spPr>
           <a:xfrm>
-            <a:off x="3363150" y="841921"/>
+            <a:off x="2828775" y="2541494"/>
             <a:ext cx="1463524" cy="858761"/>
           </a:xfrm>
           <a:prstGeom prst="flowChartInputOutput">
@@ -4233,7 +4217,15 @@
                   <a:srgbClr val="000000"/>
                 </a:solidFill>
               </a:rPr>
-              <a:t>User Clicks Submit</a:t>
+              <a:t>User Clicks </a:t>
+            </a:r>
+            <a:r>
+              <a:rPr lang="en-US" sz="1200" dirty="0" smtClean="0">
+                <a:solidFill>
+                  <a:srgbClr val="000000"/>
+                </a:solidFill>
+              </a:rPr>
+              <a:t>Go</a:t>
             </a:r>
             <a:endParaRPr lang="en-US" sz="1200" dirty="0">
               <a:solidFill>
@@ -4283,53 +4275,13 @@
       </p:cxnSp>
       <p:sp>
         <p:nvSpPr>
-          <p:cNvPr id="14" name="TextBox 13"/>
-          <p:cNvSpPr txBox="1"/>
-          <p:nvPr/>
-        </p:nvSpPr>
-        <p:spPr>
-          <a:xfrm>
-            <a:off x="3945498" y="1700682"/>
-            <a:ext cx="2950936" cy="646331"/>
-          </a:xfrm>
-          <a:prstGeom prst="rect">
-            <a:avLst/>
-          </a:prstGeom>
-          <a:noFill/>
-        </p:spPr>
-        <p:txBody>
-          <a:bodyPr wrap="none" rtlCol="0">
-            <a:spAutoFit/>
-          </a:bodyPr>
-          <a:lstStyle/>
-          <a:p>
-            <a:r>
-              <a:rPr lang="en-US" dirty="0" smtClean="0"/>
-              <a:t>(Start Searching </a:t>
-            </a:r>
-            <a:r>
-              <a:rPr lang="en-US" dirty="0" err="1" smtClean="0"/>
-              <a:t>Database.js</a:t>
-            </a:r>
-            <a:r>
-              <a:rPr lang="en-US" dirty="0" smtClean="0"/>
-              <a:t>!)</a:t>
-            </a:r>
-          </a:p>
-          <a:p>
-            <a:endParaRPr lang="en-US" dirty="0"/>
-          </a:p>
-        </p:txBody>
-      </p:sp>
-      <p:sp>
-        <p:nvSpPr>
-          <p:cNvPr id="16" name="Process 15"/>
+          <p:cNvPr id="15" name="Process 14"/>
           <p:cNvSpPr/>
           <p:nvPr/>
         </p:nvSpPr>
         <p:spPr>
           <a:xfrm>
-            <a:off x="3363150" y="2457378"/>
+            <a:off x="1117180" y="5063109"/>
             <a:ext cx="1209524" cy="858762"/>
           </a:xfrm>
           <a:prstGeom prst="flowChartProcess">
@@ -4361,14 +4313,14 @@
           <a:p>
             <a:pPr algn="ctr"/>
             <a:r>
-              <a:rPr lang="en-US" dirty="0" smtClean="0">
+              <a:rPr lang="en-US" sz="1400" dirty="0" smtClean="0">
                 <a:solidFill>
                   <a:srgbClr val="000000"/>
                 </a:solidFill>
               </a:rPr>
-              <a:t>Run Search Query</a:t>
-            </a:r>
-            <a:endParaRPr lang="en-US" dirty="0">
+              <a:t>Database sorts results</a:t>
+            </a:r>
+            <a:endParaRPr lang="en-US" sz="1400" dirty="0">
               <a:solidFill>
                 <a:srgbClr val="000000"/>
               </a:solidFill>
@@ -4376,23 +4328,157 @@
           </a:p>
         </p:txBody>
       </p:sp>
+      <p:sp>
+        <p:nvSpPr>
+          <p:cNvPr id="17" name="Process 16"/>
+          <p:cNvSpPr/>
+          <p:nvPr/>
+        </p:nvSpPr>
+        <p:spPr>
+          <a:xfrm>
+            <a:off x="5062781" y="1511736"/>
+            <a:ext cx="1209524" cy="858762"/>
+          </a:xfrm>
+          <a:prstGeom prst="flowChartProcess">
+            <a:avLst/>
+          </a:prstGeom>
+          <a:ln>
+            <a:solidFill>
+              <a:srgbClr val="000000"/>
+            </a:solidFill>
+          </a:ln>
+        </p:spPr>
+        <p:style>
+          <a:lnRef idx="1">
+            <a:schemeClr val="accent1"/>
+          </a:lnRef>
+          <a:fillRef idx="3">
+            <a:schemeClr val="accent1"/>
+          </a:fillRef>
+          <a:effectRef idx="2">
+            <a:schemeClr val="accent1"/>
+          </a:effectRef>
+          <a:fontRef idx="minor">
+            <a:schemeClr val="lt1"/>
+          </a:fontRef>
+        </p:style>
+        <p:txBody>
+          <a:bodyPr lIns="91439" tIns="45720" rIns="91439" bIns="45720" spcCol="0" rtlCol="0" anchor="ctr"/>
+          <a:lstStyle/>
+          <a:p>
+            <a:pPr algn="ctr"/>
+            <a:r>
+              <a:rPr lang="en-US" sz="1600" dirty="0" smtClean="0">
+                <a:solidFill>
+                  <a:srgbClr val="000000"/>
+                </a:solidFill>
+              </a:rPr>
+              <a:t>If no </a:t>
+            </a:r>
+            <a:r>
+              <a:rPr lang="en-US" sz="1600" dirty="0" smtClean="0">
+                <a:solidFill>
+                  <a:srgbClr val="000000"/>
+                </a:solidFill>
+              </a:rPr>
+              <a:t>match </a:t>
+            </a:r>
+            <a:r>
+              <a:rPr lang="en-US" sz="1600" dirty="0" smtClean="0">
+                <a:solidFill>
+                  <a:srgbClr val="000000"/>
+                </a:solidFill>
+              </a:rPr>
+              <a:t>found </a:t>
+            </a:r>
+            <a:r>
+              <a:rPr lang="en-US" sz="1600" dirty="0" smtClean="0">
+                <a:solidFill>
+                  <a:srgbClr val="000000"/>
+                </a:solidFill>
+              </a:rPr>
+              <a:t>print No results </a:t>
+            </a:r>
+            <a:endParaRPr lang="en-US" sz="1600" dirty="0">
+              <a:solidFill>
+                <a:srgbClr val="000000"/>
+              </a:solidFill>
+            </a:endParaRPr>
+          </a:p>
+        </p:txBody>
+      </p:sp>
+      <p:sp>
+        <p:nvSpPr>
+          <p:cNvPr id="18" name="Process 17"/>
+          <p:cNvSpPr/>
+          <p:nvPr/>
+        </p:nvSpPr>
+        <p:spPr>
+          <a:xfrm>
+            <a:off x="6983782" y="1511735"/>
+            <a:ext cx="1209524" cy="858762"/>
+          </a:xfrm>
+          <a:prstGeom prst="flowChartProcess">
+            <a:avLst/>
+          </a:prstGeom>
+          <a:ln>
+            <a:solidFill>
+              <a:srgbClr val="000000"/>
+            </a:solidFill>
+          </a:ln>
+        </p:spPr>
+        <p:style>
+          <a:lnRef idx="1">
+            <a:schemeClr val="accent1"/>
+          </a:lnRef>
+          <a:fillRef idx="3">
+            <a:schemeClr val="accent1"/>
+          </a:fillRef>
+          <a:effectRef idx="2">
+            <a:schemeClr val="accent1"/>
+          </a:effectRef>
+          <a:fontRef idx="minor">
+            <a:schemeClr val="lt1"/>
+          </a:fontRef>
+        </p:style>
+        <p:txBody>
+          <a:bodyPr lIns="91439" tIns="45720" rIns="91439" bIns="45720" spcCol="0" rtlCol="0" anchor="ctr"/>
+          <a:lstStyle/>
+          <a:p>
+            <a:pPr algn="ctr"/>
+            <a:r>
+              <a:rPr lang="en-US" sz="1600" dirty="0" smtClean="0">
+                <a:solidFill>
+                  <a:srgbClr val="000000"/>
+                </a:solidFill>
+              </a:rPr>
+              <a:t>Else match found print result</a:t>
+            </a:r>
+            <a:endParaRPr lang="en-US" sz="1600" dirty="0">
+              <a:solidFill>
+                <a:srgbClr val="000000"/>
+              </a:solidFill>
+            </a:endParaRPr>
+          </a:p>
+        </p:txBody>
+      </p:sp>
       <p:cxnSp>
         <p:nvCxnSpPr>
-          <p:cNvPr id="8" name="Straight Arrow Connector 7"/>
+          <p:cNvPr id="19" name="Straight Arrow Connector 18"/>
           <p:cNvCxnSpPr/>
           <p:nvPr/>
         </p:nvCxnSpPr>
         <p:spPr>
           <a:xfrm>
-            <a:off x="3945498" y="1762375"/>
-            <a:ext cx="0" cy="695003"/>
+            <a:off x="1703880" y="4604774"/>
+            <a:ext cx="0" cy="458335"/>
           </a:xfrm>
           <a:prstGeom prst="straightConnector1">
             <a:avLst/>
           </a:prstGeom>
           <a:ln>
             <a:solidFill>
-              <a:schemeClr val="tx1"/>
+              <a:srgbClr val="000000"/>
             </a:solidFill>
             <a:tailEnd type="arrow"/>
           </a:ln>
@@ -4414,294 +4500,13 @@
       </p:cxnSp>
       <p:sp>
         <p:nvSpPr>
-          <p:cNvPr id="15" name="Process 14"/>
-          <p:cNvSpPr/>
-          <p:nvPr/>
-        </p:nvSpPr>
-        <p:spPr>
-          <a:xfrm>
-            <a:off x="3363150" y="3805689"/>
-            <a:ext cx="1209524" cy="858762"/>
-          </a:xfrm>
-          <a:prstGeom prst="flowChartProcess">
-            <a:avLst/>
-          </a:prstGeom>
-          <a:ln>
-            <a:solidFill>
-              <a:srgbClr val="000000"/>
-            </a:solidFill>
-          </a:ln>
-        </p:spPr>
-        <p:style>
-          <a:lnRef idx="1">
-            <a:schemeClr val="accent1"/>
-          </a:lnRef>
-          <a:fillRef idx="3">
-            <a:schemeClr val="accent1"/>
-          </a:fillRef>
-          <a:effectRef idx="2">
-            <a:schemeClr val="accent1"/>
-          </a:effectRef>
-          <a:fontRef idx="minor">
-            <a:schemeClr val="lt1"/>
-          </a:fontRef>
-        </p:style>
-        <p:txBody>
-          <a:bodyPr lIns="91439" tIns="45720" rIns="91439" bIns="45720" spcCol="0" rtlCol="0" anchor="ctr"/>
-          <a:lstStyle/>
-          <a:p>
-            <a:pPr algn="ctr"/>
-            <a:r>
-              <a:rPr lang="en-US" sz="1400" dirty="0" smtClean="0">
-                <a:solidFill>
-                  <a:srgbClr val="000000"/>
-                </a:solidFill>
-              </a:rPr>
-              <a:t>Database sorts results</a:t>
-            </a:r>
-            <a:endParaRPr lang="en-US" sz="1400" dirty="0">
-              <a:solidFill>
-                <a:srgbClr val="000000"/>
-              </a:solidFill>
-            </a:endParaRPr>
-          </a:p>
-        </p:txBody>
-      </p:sp>
-      <p:cxnSp>
-        <p:nvCxnSpPr>
-          <p:cNvPr id="11" name="Straight Arrow Connector 10"/>
-          <p:cNvCxnSpPr/>
-          <p:nvPr/>
-        </p:nvCxnSpPr>
-        <p:spPr>
-          <a:xfrm flipH="1">
-            <a:off x="3183864" y="4664451"/>
-            <a:ext cx="179286" cy="279958"/>
-          </a:xfrm>
-          <a:prstGeom prst="straightConnector1">
-            <a:avLst/>
-          </a:prstGeom>
-          <a:ln>
-            <a:solidFill>
-              <a:srgbClr val="000000"/>
-            </a:solidFill>
-            <a:tailEnd type="arrow"/>
-          </a:ln>
-        </p:spPr>
-        <p:style>
-          <a:lnRef idx="2">
-            <a:schemeClr val="accent1"/>
-          </a:lnRef>
-          <a:fillRef idx="0">
-            <a:schemeClr val="accent1"/>
-          </a:fillRef>
-          <a:effectRef idx="1">
-            <a:schemeClr val="accent1"/>
-          </a:effectRef>
-          <a:fontRef idx="minor">
-            <a:schemeClr val="tx1"/>
-          </a:fontRef>
-        </p:style>
-      </p:cxnSp>
-      <p:sp>
-        <p:nvSpPr>
-          <p:cNvPr id="17" name="Process 16"/>
-          <p:cNvSpPr/>
-          <p:nvPr/>
-        </p:nvSpPr>
-        <p:spPr>
-          <a:xfrm>
-            <a:off x="1974340" y="4944409"/>
-            <a:ext cx="1209524" cy="858762"/>
-          </a:xfrm>
-          <a:prstGeom prst="flowChartProcess">
-            <a:avLst/>
-          </a:prstGeom>
-          <a:ln>
-            <a:solidFill>
-              <a:srgbClr val="000000"/>
-            </a:solidFill>
-          </a:ln>
-        </p:spPr>
-        <p:style>
-          <a:lnRef idx="1">
-            <a:schemeClr val="accent1"/>
-          </a:lnRef>
-          <a:fillRef idx="3">
-            <a:schemeClr val="accent1"/>
-          </a:fillRef>
-          <a:effectRef idx="2">
-            <a:schemeClr val="accent1"/>
-          </a:effectRef>
-          <a:fontRef idx="minor">
-            <a:schemeClr val="lt1"/>
-          </a:fontRef>
-        </p:style>
-        <p:txBody>
-          <a:bodyPr lIns="91439" tIns="45720" rIns="91439" bIns="45720" spcCol="0" rtlCol="0" anchor="ctr"/>
-          <a:lstStyle/>
-          <a:p>
-            <a:pPr algn="ctr"/>
-            <a:r>
-              <a:rPr lang="en-US" sz="1600" dirty="0" smtClean="0">
-                <a:solidFill>
-                  <a:srgbClr val="000000"/>
-                </a:solidFill>
-              </a:rPr>
-              <a:t>If no match found print no results</a:t>
-            </a:r>
-            <a:endParaRPr lang="en-US" sz="1600" dirty="0">
-              <a:solidFill>
-                <a:srgbClr val="000000"/>
-              </a:solidFill>
-            </a:endParaRPr>
-          </a:p>
-        </p:txBody>
-      </p:sp>
-      <p:sp>
-        <p:nvSpPr>
-          <p:cNvPr id="18" name="Process 17"/>
-          <p:cNvSpPr/>
-          <p:nvPr/>
-        </p:nvSpPr>
-        <p:spPr>
-          <a:xfrm>
-            <a:off x="4826674" y="4944409"/>
-            <a:ext cx="1209524" cy="858762"/>
-          </a:xfrm>
-          <a:prstGeom prst="flowChartProcess">
-            <a:avLst/>
-          </a:prstGeom>
-          <a:ln>
-            <a:solidFill>
-              <a:srgbClr val="000000"/>
-            </a:solidFill>
-          </a:ln>
-        </p:spPr>
-        <p:style>
-          <a:lnRef idx="1">
-            <a:schemeClr val="accent1"/>
-          </a:lnRef>
-          <a:fillRef idx="3">
-            <a:schemeClr val="accent1"/>
-          </a:fillRef>
-          <a:effectRef idx="2">
-            <a:schemeClr val="accent1"/>
-          </a:effectRef>
-          <a:fontRef idx="minor">
-            <a:schemeClr val="lt1"/>
-          </a:fontRef>
-        </p:style>
-        <p:txBody>
-          <a:bodyPr lIns="91439" tIns="45720" rIns="91439" bIns="45720" spcCol="0" rtlCol="0" anchor="ctr"/>
-          <a:lstStyle/>
-          <a:p>
-            <a:pPr algn="ctr"/>
-            <a:r>
-              <a:rPr lang="en-US" sz="1600" dirty="0" smtClean="0">
-                <a:solidFill>
-                  <a:srgbClr val="000000"/>
-                </a:solidFill>
-              </a:rPr>
-              <a:t>Else</a:t>
-            </a:r>
-            <a:r>
-              <a:rPr lang="en-US" sz="1600" dirty="0" smtClean="0">
-                <a:solidFill>
-                  <a:srgbClr val="000000"/>
-                </a:solidFill>
-              </a:rPr>
-              <a:t> match found print result</a:t>
-            </a:r>
-            <a:endParaRPr lang="en-US" sz="1600" dirty="0">
-              <a:solidFill>
-                <a:srgbClr val="000000"/>
-              </a:solidFill>
-            </a:endParaRPr>
-          </a:p>
-        </p:txBody>
-      </p:sp>
-      <p:cxnSp>
-        <p:nvCxnSpPr>
-          <p:cNvPr id="19" name="Straight Arrow Connector 18"/>
-          <p:cNvCxnSpPr/>
-          <p:nvPr/>
-        </p:nvCxnSpPr>
-        <p:spPr>
-          <a:xfrm>
-            <a:off x="3945498" y="3316140"/>
-            <a:ext cx="0" cy="458335"/>
-          </a:xfrm>
-          <a:prstGeom prst="straightConnector1">
-            <a:avLst/>
-          </a:prstGeom>
-          <a:ln>
-            <a:solidFill>
-              <a:srgbClr val="000000"/>
-            </a:solidFill>
-            <a:tailEnd type="arrow"/>
-          </a:ln>
-        </p:spPr>
-        <p:style>
-          <a:lnRef idx="2">
-            <a:schemeClr val="accent1"/>
-          </a:lnRef>
-          <a:fillRef idx="0">
-            <a:schemeClr val="accent1"/>
-          </a:fillRef>
-          <a:effectRef idx="1">
-            <a:schemeClr val="accent1"/>
-          </a:effectRef>
-          <a:fontRef idx="minor">
-            <a:schemeClr val="tx1"/>
-          </a:fontRef>
-        </p:style>
-      </p:cxnSp>
-      <p:cxnSp>
-        <p:nvCxnSpPr>
-          <p:cNvPr id="20" name="Straight Arrow Connector 19"/>
-          <p:cNvCxnSpPr/>
-          <p:nvPr/>
-        </p:nvCxnSpPr>
-        <p:spPr>
-          <a:xfrm>
-            <a:off x="4593891" y="4664451"/>
-            <a:ext cx="232783" cy="279958"/>
-          </a:xfrm>
-          <a:prstGeom prst="straightConnector1">
-            <a:avLst/>
-          </a:prstGeom>
-          <a:ln>
-            <a:solidFill>
-              <a:srgbClr val="000000"/>
-            </a:solidFill>
-            <a:tailEnd type="arrow"/>
-          </a:ln>
-        </p:spPr>
-        <p:style>
-          <a:lnRef idx="2">
-            <a:schemeClr val="accent1"/>
-          </a:lnRef>
-          <a:fillRef idx="0">
-            <a:schemeClr val="accent1"/>
-          </a:fillRef>
-          <a:effectRef idx="1">
-            <a:schemeClr val="accent1"/>
-          </a:effectRef>
-          <a:fontRef idx="minor">
-            <a:schemeClr val="tx1"/>
-          </a:fontRef>
-        </p:style>
-      </p:cxnSp>
-      <p:sp>
-        <p:nvSpPr>
           <p:cNvPr id="23" name="Decision 22"/>
           <p:cNvSpPr/>
           <p:nvPr/>
         </p:nvSpPr>
         <p:spPr>
           <a:xfrm>
-            <a:off x="317520" y="3875433"/>
+            <a:off x="1019731" y="2392924"/>
             <a:ext cx="1404421" cy="1007331"/>
           </a:xfrm>
           <a:prstGeom prst="flowChartDecision">
@@ -4738,15 +4543,7 @@
                   <a:srgbClr val="000000"/>
                 </a:solidFill>
               </a:rPr>
-              <a:t>Input </a:t>
-            </a:r>
-            <a:r>
-              <a:rPr lang="en-US" sz="1400" dirty="0" smtClean="0">
-                <a:solidFill>
-                  <a:srgbClr val="000000"/>
-                </a:solidFill>
-              </a:rPr>
-              <a:t>new search</a:t>
+              <a:t>Input new search</a:t>
             </a:r>
             <a:endParaRPr lang="en-US" sz="1400" dirty="0">
               <a:solidFill>
@@ -4756,18 +4553,188 @@
           </a:p>
         </p:txBody>
       </p:sp>
+      <p:sp>
+        <p:nvSpPr>
+          <p:cNvPr id="28" name="TextBox 27"/>
+          <p:cNvSpPr txBox="1"/>
+          <p:nvPr/>
+        </p:nvSpPr>
+        <p:spPr>
+          <a:xfrm>
+            <a:off x="2473220" y="977899"/>
+            <a:ext cx="505267" cy="369332"/>
+          </a:xfrm>
+          <a:prstGeom prst="rect">
+            <a:avLst/>
+          </a:prstGeom>
+          <a:noFill/>
+        </p:spPr>
+        <p:txBody>
+          <a:bodyPr wrap="none" rtlCol="0">
+            <a:spAutoFit/>
+          </a:bodyPr>
+          <a:lstStyle/>
+          <a:p>
+            <a:r>
+              <a:rPr lang="en-US" dirty="0" smtClean="0"/>
+              <a:t>Yes</a:t>
+            </a:r>
+            <a:endParaRPr lang="en-US" dirty="0"/>
+          </a:p>
+        </p:txBody>
+      </p:sp>
+      <p:sp>
+        <p:nvSpPr>
+          <p:cNvPr id="29" name="Process 28"/>
+          <p:cNvSpPr/>
+          <p:nvPr/>
+        </p:nvSpPr>
+        <p:spPr>
+          <a:xfrm>
+            <a:off x="6976039" y="2808485"/>
+            <a:ext cx="1209524" cy="858762"/>
+          </a:xfrm>
+          <a:prstGeom prst="flowChartProcess">
+            <a:avLst/>
+          </a:prstGeom>
+          <a:ln>
+            <a:solidFill>
+              <a:srgbClr val="000000"/>
+            </a:solidFill>
+          </a:ln>
+        </p:spPr>
+        <p:style>
+          <a:lnRef idx="1">
+            <a:schemeClr val="accent1"/>
+          </a:lnRef>
+          <a:fillRef idx="3">
+            <a:schemeClr val="accent1"/>
+          </a:fillRef>
+          <a:effectRef idx="2">
+            <a:schemeClr val="accent1"/>
+          </a:effectRef>
+          <a:fontRef idx="minor">
+            <a:schemeClr val="lt1"/>
+          </a:fontRef>
+        </p:style>
+        <p:txBody>
+          <a:bodyPr lIns="91439" tIns="45720" rIns="91439" bIns="45720" spcCol="0" rtlCol="0" anchor="ctr"/>
+          <a:lstStyle/>
+          <a:p>
+            <a:pPr algn="ctr"/>
+            <a:r>
+              <a:rPr lang="en-US" dirty="0" smtClean="0">
+                <a:solidFill>
+                  <a:srgbClr val="000000"/>
+                </a:solidFill>
+              </a:rPr>
+              <a:t>Results Printed</a:t>
+            </a:r>
+            <a:endParaRPr lang="en-US" dirty="0">
+              <a:solidFill>
+                <a:srgbClr val="000000"/>
+              </a:solidFill>
+            </a:endParaRPr>
+          </a:p>
+        </p:txBody>
+      </p:sp>
+      <p:sp>
+        <p:nvSpPr>
+          <p:cNvPr id="21" name="Process 20"/>
+          <p:cNvSpPr/>
+          <p:nvPr/>
+        </p:nvSpPr>
+        <p:spPr>
+          <a:xfrm>
+            <a:off x="3355901" y="977899"/>
+            <a:ext cx="1209524" cy="858762"/>
+          </a:xfrm>
+          <a:prstGeom prst="flowChartProcess">
+            <a:avLst/>
+          </a:prstGeom>
+          <a:ln>
+            <a:solidFill>
+              <a:srgbClr val="000000"/>
+            </a:solidFill>
+          </a:ln>
+        </p:spPr>
+        <p:style>
+          <a:lnRef idx="1">
+            <a:schemeClr val="accent1"/>
+          </a:lnRef>
+          <a:fillRef idx="3">
+            <a:schemeClr val="accent1"/>
+          </a:fillRef>
+          <a:effectRef idx="2">
+            <a:schemeClr val="accent1"/>
+          </a:effectRef>
+          <a:fontRef idx="minor">
+            <a:schemeClr val="lt1"/>
+          </a:fontRef>
+        </p:style>
+        <p:txBody>
+          <a:bodyPr lIns="91439" tIns="45720" rIns="91439" bIns="45720" spcCol="0" rtlCol="0" anchor="ctr"/>
+          <a:lstStyle/>
+          <a:p>
+            <a:pPr algn="ctr"/>
+            <a:r>
+              <a:rPr lang="en-US" sz="1200" dirty="0">
+                <a:solidFill>
+                  <a:srgbClr val="000000"/>
+                </a:solidFill>
+              </a:rPr>
+              <a:t>Your search query is too small, try again.</a:t>
+            </a:r>
+            <a:endParaRPr lang="en-US" sz="1200" dirty="0">
+              <a:solidFill>
+                <a:srgbClr val="000000"/>
+              </a:solidFill>
+            </a:endParaRPr>
+          </a:p>
+        </p:txBody>
+      </p:sp>
+      <p:sp>
+        <p:nvSpPr>
+          <p:cNvPr id="22" name="TextBox 21"/>
+          <p:cNvSpPr txBox="1"/>
+          <p:nvPr/>
+        </p:nvSpPr>
+        <p:spPr>
+          <a:xfrm>
+            <a:off x="966060" y="718948"/>
+            <a:ext cx="351378" cy="369332"/>
+          </a:xfrm>
+          <a:prstGeom prst="rect">
+            <a:avLst/>
+          </a:prstGeom>
+          <a:noFill/>
+        </p:spPr>
+        <p:txBody>
+          <a:bodyPr wrap="none" rtlCol="0">
+            <a:spAutoFit/>
+          </a:bodyPr>
+          <a:lstStyle/>
+          <a:p>
+            <a:r>
+              <a:rPr lang="en-US" dirty="0"/>
+              <a:t>IF</a:t>
+            </a:r>
+            <a:endParaRPr lang="en-US" dirty="0"/>
+          </a:p>
+        </p:txBody>
+      </p:sp>
       <p:cxnSp>
         <p:nvCxnSpPr>
-          <p:cNvPr id="25" name="Elbow Connector 24"/>
+          <p:cNvPr id="24" name="Straight Arrow Connector 23"/>
           <p:cNvCxnSpPr/>
           <p:nvPr/>
         </p:nvCxnSpPr>
         <p:spPr>
-          <a:xfrm rot="16200000" flipV="1">
-            <a:off x="1198848" y="4809539"/>
-            <a:ext cx="920581" cy="630405"/>
-          </a:xfrm>
-          <a:prstGeom prst="bentConnector3">
+          <a:xfrm>
+            <a:off x="1721942" y="1941117"/>
+            <a:ext cx="0" cy="451807"/>
+          </a:xfrm>
+          <a:prstGeom prst="straightConnector1">
             <a:avLst/>
           </a:prstGeom>
           <a:ln>
@@ -4794,14 +4761,14 @@
       </p:cxnSp>
       <p:sp>
         <p:nvSpPr>
-          <p:cNvPr id="28" name="TextBox 27"/>
+          <p:cNvPr id="27" name="TextBox 26"/>
           <p:cNvSpPr txBox="1"/>
           <p:nvPr/>
         </p:nvSpPr>
         <p:spPr>
           <a:xfrm>
-            <a:off x="2473220" y="977899"/>
-            <a:ext cx="505267" cy="369332"/>
+            <a:off x="3560537" y="608567"/>
+            <a:ext cx="825203" cy="369332"/>
           </a:xfrm>
           <a:prstGeom prst="rect">
             <a:avLst/>
@@ -4816,21 +4783,321 @@
           <a:p>
             <a:r>
               <a:rPr lang="en-US" dirty="0" smtClean="0"/>
-              <a:t>Yes</a:t>
+              <a:t>Return</a:t>
             </a:r>
             <a:endParaRPr lang="en-US" dirty="0"/>
           </a:p>
         </p:txBody>
       </p:sp>
-      <p:sp>
-        <p:nvSpPr>
-          <p:cNvPr id="29" name="Process 28"/>
+      <p:cxnSp>
+        <p:nvCxnSpPr>
+          <p:cNvPr id="10" name="Elbow Connector 9"/>
+          <p:cNvCxnSpPr>
+            <a:stCxn id="21" idx="2"/>
+          </p:cNvCxnSpPr>
+          <p:nvPr/>
+        </p:nvCxnSpPr>
+        <p:spPr>
+          <a:xfrm rot="5400000">
+            <a:off x="2571264" y="1067978"/>
+            <a:ext cx="620717" cy="2158082"/>
+          </a:xfrm>
+          <a:prstGeom prst="bentConnector2">
+            <a:avLst/>
+          </a:prstGeom>
+          <a:ln>
+            <a:solidFill>
+              <a:srgbClr val="000000"/>
+            </a:solidFill>
+            <a:tailEnd type="arrow"/>
+          </a:ln>
+        </p:spPr>
+        <p:style>
+          <a:lnRef idx="2">
+            <a:schemeClr val="accent1"/>
+          </a:lnRef>
+          <a:fillRef idx="0">
+            <a:schemeClr val="accent1"/>
+          </a:fillRef>
+          <a:effectRef idx="1">
+            <a:schemeClr val="accent1"/>
+          </a:effectRef>
+          <a:fontRef idx="minor">
+            <a:schemeClr val="tx1"/>
+          </a:fontRef>
+        </p:style>
+      </p:cxnSp>
+      <p:sp>
+        <p:nvSpPr>
+          <p:cNvPr id="12" name="Magnetic Disk 11"/>
           <p:cNvSpPr/>
           <p:nvPr/>
         </p:nvSpPr>
         <p:spPr>
           <a:xfrm>
-            <a:off x="7214455" y="4944409"/>
+            <a:off x="1317438" y="3695290"/>
+            <a:ext cx="860323" cy="909484"/>
+          </a:xfrm>
+          <a:prstGeom prst="flowChartMagneticDisk">
+            <a:avLst/>
+          </a:prstGeom>
+          <a:effectLst>
+            <a:outerShdw blurRad="152400" dist="317500" dir="5400000" sx="90000" sy="-19000" rotWithShape="0">
+              <a:prstClr val="black">
+                <a:alpha val="15000"/>
+              </a:prstClr>
+            </a:outerShdw>
+          </a:effectLst>
+        </p:spPr>
+        <p:style>
+          <a:lnRef idx="1">
+            <a:schemeClr val="accent5"/>
+          </a:lnRef>
+          <a:fillRef idx="2">
+            <a:schemeClr val="accent5"/>
+          </a:fillRef>
+          <a:effectRef idx="1">
+            <a:schemeClr val="accent5"/>
+          </a:effectRef>
+          <a:fontRef idx="minor">
+            <a:schemeClr val="dk1"/>
+          </a:fontRef>
+        </p:style>
+        <p:txBody>
+          <a:bodyPr rtlCol="0" anchor="ctr"/>
+          <a:lstStyle/>
+          <a:p>
+            <a:pPr algn="ctr"/>
+            <a:endParaRPr lang="en-US"/>
+          </a:p>
+        </p:txBody>
+      </p:sp>
+      <p:sp>
+        <p:nvSpPr>
+          <p:cNvPr id="32" name="TextBox 31"/>
+          <p:cNvSpPr txBox="1"/>
+          <p:nvPr/>
+        </p:nvSpPr>
+        <p:spPr>
+          <a:xfrm>
+            <a:off x="2201873" y="3774475"/>
+            <a:ext cx="1479579" cy="276999"/>
+          </a:xfrm>
+          <a:prstGeom prst="rect">
+            <a:avLst/>
+          </a:prstGeom>
+          <a:noFill/>
+        </p:spPr>
+        <p:txBody>
+          <a:bodyPr wrap="square" rtlCol="0">
+            <a:spAutoFit/>
+          </a:bodyPr>
+          <a:lstStyle/>
+          <a:p>
+            <a:r>
+              <a:rPr lang="en-US" sz="1200" dirty="0" smtClean="0"/>
+              <a:t>Search </a:t>
+            </a:r>
+            <a:r>
+              <a:rPr lang="en-US" sz="1200" dirty="0" err="1" smtClean="0"/>
+              <a:t>Database.js</a:t>
+            </a:r>
+            <a:endParaRPr lang="en-US" sz="1200" dirty="0"/>
+          </a:p>
+        </p:txBody>
+      </p:sp>
+      <p:cxnSp>
+        <p:nvCxnSpPr>
+          <p:cNvPr id="33" name="Straight Arrow Connector 32"/>
+          <p:cNvCxnSpPr/>
+          <p:nvPr/>
+        </p:nvCxnSpPr>
+        <p:spPr>
+          <a:xfrm>
+            <a:off x="2424152" y="2889453"/>
+            <a:ext cx="603975" cy="0"/>
+          </a:xfrm>
+          <a:prstGeom prst="straightConnector1">
+            <a:avLst/>
+          </a:prstGeom>
+          <a:ln>
+            <a:solidFill>
+              <a:srgbClr val="000000"/>
+            </a:solidFill>
+            <a:tailEnd type="arrow"/>
+          </a:ln>
+        </p:spPr>
+        <p:style>
+          <a:lnRef idx="2">
+            <a:schemeClr val="accent1"/>
+          </a:lnRef>
+          <a:fillRef idx="0">
+            <a:schemeClr val="accent1"/>
+          </a:fillRef>
+          <a:effectRef idx="1">
+            <a:schemeClr val="accent1"/>
+          </a:effectRef>
+          <a:fontRef idx="minor">
+            <a:schemeClr val="tx1"/>
+          </a:fontRef>
+        </p:style>
+      </p:cxnSp>
+      <p:cxnSp>
+        <p:nvCxnSpPr>
+          <p:cNvPr id="42" name="Elbow Connector 41"/>
+          <p:cNvCxnSpPr>
+            <a:stCxn id="7" idx="4"/>
+            <a:endCxn id="12" idx="4"/>
+          </p:cNvCxnSpPr>
+          <p:nvPr/>
+        </p:nvCxnSpPr>
+        <p:spPr>
+          <a:xfrm rot="5400000">
+            <a:off x="2494261" y="3083755"/>
+            <a:ext cx="749777" cy="1382776"/>
+          </a:xfrm>
+          <a:prstGeom prst="bentConnector2">
+            <a:avLst/>
+          </a:prstGeom>
+          <a:ln>
+            <a:solidFill>
+              <a:srgbClr val="000000"/>
+            </a:solidFill>
+            <a:tailEnd type="arrow"/>
+          </a:ln>
+        </p:spPr>
+        <p:style>
+          <a:lnRef idx="2">
+            <a:schemeClr val="accent1"/>
+          </a:lnRef>
+          <a:fillRef idx="0">
+            <a:schemeClr val="accent1"/>
+          </a:fillRef>
+          <a:effectRef idx="1">
+            <a:schemeClr val="accent1"/>
+          </a:effectRef>
+          <a:fontRef idx="minor">
+            <a:schemeClr val="tx1"/>
+          </a:fontRef>
+        </p:style>
+      </p:cxnSp>
+      <p:sp>
+        <p:nvSpPr>
+          <p:cNvPr id="43" name="TextBox 42"/>
+          <p:cNvSpPr txBox="1"/>
+          <p:nvPr/>
+        </p:nvSpPr>
+        <p:spPr>
+          <a:xfrm>
+            <a:off x="2501260" y="4708755"/>
+            <a:ext cx="1479579" cy="461665"/>
+          </a:xfrm>
+          <a:prstGeom prst="rect">
+            <a:avLst/>
+          </a:prstGeom>
+          <a:noFill/>
+        </p:spPr>
+        <p:txBody>
+          <a:bodyPr wrap="square" rtlCol="0">
+            <a:spAutoFit/>
+          </a:bodyPr>
+          <a:lstStyle/>
+          <a:p>
+            <a:r>
+              <a:rPr lang="en-US" sz="1200" dirty="0" smtClean="0"/>
+              <a:t>Get results </a:t>
+            </a:r>
+            <a:r>
+              <a:rPr lang="en-US" sz="1200" dirty="0" err="1" smtClean="0"/>
+              <a:t>innerHTML</a:t>
+            </a:r>
+            <a:endParaRPr lang="en-US" sz="1200" dirty="0"/>
+          </a:p>
+        </p:txBody>
+      </p:sp>
+      <p:cxnSp>
+        <p:nvCxnSpPr>
+          <p:cNvPr id="45" name="Elbow Connector 44"/>
+          <p:cNvCxnSpPr>
+            <a:stCxn id="15" idx="3"/>
+          </p:cNvCxnSpPr>
+          <p:nvPr/>
+        </p:nvCxnSpPr>
+        <p:spPr>
+          <a:xfrm flipV="1">
+            <a:off x="2326704" y="411238"/>
+            <a:ext cx="2463010" cy="5081252"/>
+          </a:xfrm>
+          <a:prstGeom prst="bentConnector2">
+            <a:avLst/>
+          </a:prstGeom>
+          <a:ln>
+            <a:solidFill>
+              <a:srgbClr val="000000"/>
+            </a:solidFill>
+            <a:tailEnd type="arrow"/>
+          </a:ln>
+        </p:spPr>
+        <p:style>
+          <a:lnRef idx="2">
+            <a:schemeClr val="accent1"/>
+          </a:lnRef>
+          <a:fillRef idx="0">
+            <a:schemeClr val="accent1"/>
+          </a:fillRef>
+          <a:effectRef idx="1">
+            <a:schemeClr val="accent1"/>
+          </a:effectRef>
+          <a:fontRef idx="minor">
+            <a:schemeClr val="tx1"/>
+          </a:fontRef>
+        </p:style>
+      </p:cxnSp>
+      <p:cxnSp>
+        <p:nvCxnSpPr>
+          <p:cNvPr id="47" name="Straight Arrow Connector 46"/>
+          <p:cNvCxnSpPr/>
+          <p:nvPr/>
+        </p:nvCxnSpPr>
+        <p:spPr>
+          <a:xfrm>
+            <a:off x="4789714" y="411238"/>
+            <a:ext cx="1177590" cy="0"/>
+          </a:xfrm>
+          <a:prstGeom prst="straightConnector1">
+            <a:avLst/>
+          </a:prstGeom>
+          <a:ln>
+            <a:solidFill>
+              <a:srgbClr val="000000"/>
+            </a:solidFill>
+            <a:tailEnd type="arrow"/>
+          </a:ln>
+        </p:spPr>
+        <p:style>
+          <a:lnRef idx="2">
+            <a:schemeClr val="accent1"/>
+          </a:lnRef>
+          <a:fillRef idx="0">
+            <a:schemeClr val="accent1"/>
+          </a:fillRef>
+          <a:effectRef idx="1">
+            <a:schemeClr val="accent1"/>
+          </a:effectRef>
+          <a:fontRef idx="minor">
+            <a:schemeClr val="tx1"/>
+          </a:fontRef>
+        </p:style>
+      </p:cxnSp>
+      <p:sp>
+        <p:nvSpPr>
+          <p:cNvPr id="48" name="Process 47"/>
+          <p:cNvSpPr/>
+          <p:nvPr/>
+        </p:nvSpPr>
+        <p:spPr>
+          <a:xfrm>
+            <a:off x="5967304" y="119137"/>
             <a:ext cx="1209524" cy="858762"/>
           </a:xfrm>
           <a:prstGeom prst="flowChartProcess">
@@ -4862,14 +5129,17 @@
           <a:p>
             <a:pPr algn="ctr"/>
             <a:r>
-              <a:rPr lang="en-US" dirty="0" smtClean="0">
+              <a:rPr lang="en-US" sz="1600" dirty="0" smtClean="0">
                 <a:solidFill>
                   <a:srgbClr val="000000"/>
                 </a:solidFill>
               </a:rPr>
-              <a:t>Results Printed</a:t>
-            </a:r>
-            <a:endParaRPr lang="en-US" dirty="0">
+              <a:t>Loop Results</a:t>
+            </a:r>
+          </a:p>
+          <a:p>
+            <a:pPr algn="ctr"/>
+            <a:endParaRPr lang="en-US" sz="1600" dirty="0">
               <a:solidFill>
                 <a:srgbClr val="000000"/>
               </a:solidFill>
@@ -4877,22 +5147,274 @@
           </a:p>
         </p:txBody>
       </p:sp>
+      <p:sp>
+        <p:nvSpPr>
+          <p:cNvPr id="50" name="TextBox 49"/>
+          <p:cNvSpPr txBox="1"/>
+          <p:nvPr/>
+        </p:nvSpPr>
+        <p:spPr>
+          <a:xfrm>
+            <a:off x="5139777" y="1112369"/>
+            <a:ext cx="351378" cy="369332"/>
+          </a:xfrm>
+          <a:prstGeom prst="rect">
+            <a:avLst/>
+          </a:prstGeom>
+          <a:noFill/>
+        </p:spPr>
+        <p:txBody>
+          <a:bodyPr wrap="none" rtlCol="0">
+            <a:spAutoFit/>
+          </a:bodyPr>
+          <a:lstStyle/>
+          <a:p>
+            <a:r>
+              <a:rPr lang="en-US" dirty="0"/>
+              <a:t>IF</a:t>
+            </a:r>
+            <a:endParaRPr lang="en-US" dirty="0"/>
+          </a:p>
+        </p:txBody>
+      </p:sp>
       <p:cxnSp>
         <p:nvCxnSpPr>
-          <p:cNvPr id="31" name="Elbow Connector 30"/>
+          <p:cNvPr id="52" name="Elbow Connector 51"/>
+          <p:cNvCxnSpPr>
+            <a:endCxn id="17" idx="0"/>
+          </p:cNvCxnSpPr>
+          <p:nvPr/>
+        </p:nvCxnSpPr>
+        <p:spPr>
+          <a:xfrm rot="10800000" flipV="1">
+            <a:off x="5667544" y="977898"/>
+            <a:ext cx="742933" cy="533837"/>
+          </a:xfrm>
+          <a:prstGeom prst="bentConnector2">
+            <a:avLst/>
+          </a:prstGeom>
+          <a:ln>
+            <a:solidFill>
+              <a:srgbClr val="000000"/>
+            </a:solidFill>
+            <a:tailEnd type="arrow"/>
+          </a:ln>
+        </p:spPr>
+        <p:style>
+          <a:lnRef idx="2">
+            <a:schemeClr val="accent1"/>
+          </a:lnRef>
+          <a:fillRef idx="0">
+            <a:schemeClr val="accent1"/>
+          </a:fillRef>
+          <a:effectRef idx="1">
+            <a:schemeClr val="accent1"/>
+          </a:effectRef>
+          <a:fontRef idx="minor">
+            <a:schemeClr val="tx1"/>
+          </a:fontRef>
+        </p:style>
+      </p:cxnSp>
+      <p:sp>
+        <p:nvSpPr>
+          <p:cNvPr id="53" name="TextBox 52"/>
+          <p:cNvSpPr txBox="1"/>
+          <p:nvPr/>
+        </p:nvSpPr>
+        <p:spPr>
+          <a:xfrm>
+            <a:off x="7637820" y="1162565"/>
+            <a:ext cx="555486" cy="369332"/>
+          </a:xfrm>
+          <a:prstGeom prst="rect">
+            <a:avLst/>
+          </a:prstGeom>
+          <a:noFill/>
+        </p:spPr>
+        <p:txBody>
+          <a:bodyPr wrap="none" rtlCol="0">
+            <a:spAutoFit/>
+          </a:bodyPr>
+          <a:lstStyle/>
+          <a:p>
+            <a:r>
+              <a:rPr lang="en-US" dirty="0" smtClean="0"/>
+              <a:t>Else</a:t>
+            </a:r>
+            <a:endParaRPr lang="en-US" dirty="0"/>
+          </a:p>
+        </p:txBody>
+      </p:sp>
+      <p:cxnSp>
+        <p:nvCxnSpPr>
+          <p:cNvPr id="55" name="Elbow Connector 54"/>
+          <p:cNvCxnSpPr>
+            <a:endCxn id="18" idx="0"/>
+          </p:cNvCxnSpPr>
+          <p:nvPr/>
+        </p:nvCxnSpPr>
+        <p:spPr>
+          <a:xfrm>
+            <a:off x="6797524" y="977897"/>
+            <a:ext cx="791020" cy="533838"/>
+          </a:xfrm>
+          <a:prstGeom prst="bentConnector2">
+            <a:avLst/>
+          </a:prstGeom>
+          <a:ln>
+            <a:solidFill>
+              <a:srgbClr val="000000"/>
+            </a:solidFill>
+            <a:tailEnd type="arrow"/>
+          </a:ln>
+        </p:spPr>
+        <p:style>
+          <a:lnRef idx="2">
+            <a:schemeClr val="accent1"/>
+          </a:lnRef>
+          <a:fillRef idx="0">
+            <a:schemeClr val="accent1"/>
+          </a:fillRef>
+          <a:effectRef idx="1">
+            <a:schemeClr val="accent1"/>
+          </a:effectRef>
+          <a:fontRef idx="minor">
+            <a:schemeClr val="tx1"/>
+          </a:fontRef>
+        </p:style>
+      </p:cxnSp>
+      <p:cxnSp>
+        <p:nvCxnSpPr>
+          <p:cNvPr id="57" name="Straight Arrow Connector 56"/>
+          <p:cNvCxnSpPr>
+            <a:stCxn id="18" idx="2"/>
+            <a:endCxn id="29" idx="0"/>
+          </p:cNvCxnSpPr>
+          <p:nvPr/>
+        </p:nvCxnSpPr>
+        <p:spPr>
+          <a:xfrm flipH="1">
+            <a:off x="7580801" y="2370497"/>
+            <a:ext cx="7743" cy="437988"/>
+          </a:xfrm>
+          <a:prstGeom prst="straightConnector1">
+            <a:avLst/>
+          </a:prstGeom>
+          <a:ln>
+            <a:solidFill>
+              <a:srgbClr val="000000"/>
+            </a:solidFill>
+            <a:tailEnd type="arrow"/>
+          </a:ln>
+        </p:spPr>
+        <p:style>
+          <a:lnRef idx="2">
+            <a:schemeClr val="accent1"/>
+          </a:lnRef>
+          <a:fillRef idx="0">
+            <a:schemeClr val="accent1"/>
+          </a:fillRef>
+          <a:effectRef idx="1">
+            <a:schemeClr val="accent1"/>
+          </a:effectRef>
+          <a:fontRef idx="minor">
+            <a:schemeClr val="tx1"/>
+          </a:fontRef>
+        </p:style>
+      </p:cxnSp>
+      <p:cxnSp>
+        <p:nvCxnSpPr>
+          <p:cNvPr id="63" name="Straight Arrow Connector 62"/>
+          <p:cNvCxnSpPr>
+            <a:endCxn id="23" idx="1"/>
+          </p:cNvCxnSpPr>
+          <p:nvPr/>
+        </p:nvCxnSpPr>
+        <p:spPr>
+          <a:xfrm>
+            <a:off x="653143" y="2889453"/>
+            <a:ext cx="366588" cy="7137"/>
+          </a:xfrm>
+          <a:prstGeom prst="straightConnector1">
+            <a:avLst/>
+          </a:prstGeom>
+          <a:ln>
+            <a:solidFill>
+              <a:srgbClr val="000000"/>
+            </a:solidFill>
+            <a:tailEnd type="arrow"/>
+          </a:ln>
+        </p:spPr>
+        <p:style>
+          <a:lnRef idx="2">
+            <a:schemeClr val="accent1"/>
+          </a:lnRef>
+          <a:fillRef idx="0">
+            <a:schemeClr val="accent1"/>
+          </a:fillRef>
+          <a:effectRef idx="1">
+            <a:schemeClr val="accent1"/>
+          </a:effectRef>
+          <a:fontRef idx="minor">
+            <a:schemeClr val="tx1"/>
+          </a:fontRef>
+        </p:style>
+      </p:cxnSp>
+      <p:cxnSp>
+        <p:nvCxnSpPr>
+          <p:cNvPr id="67" name="Elbow Connector 66"/>
+          <p:cNvCxnSpPr>
+            <a:stCxn id="29" idx="2"/>
+          </p:cNvCxnSpPr>
+          <p:nvPr/>
+        </p:nvCxnSpPr>
+        <p:spPr>
+          <a:xfrm rot="5400000">
+            <a:off x="2757453" y="1562937"/>
+            <a:ext cx="2719039" cy="6927658"/>
+          </a:xfrm>
+          <a:prstGeom prst="bentConnector2">
+            <a:avLst/>
+          </a:prstGeom>
+          <a:ln>
+            <a:solidFill>
+              <a:srgbClr val="000000"/>
+            </a:solidFill>
+          </a:ln>
+        </p:spPr>
+        <p:style>
+          <a:lnRef idx="2">
+            <a:schemeClr val="accent1"/>
+          </a:lnRef>
+          <a:fillRef idx="0">
+            <a:schemeClr val="accent1"/>
+          </a:fillRef>
+          <a:effectRef idx="1">
+            <a:schemeClr val="accent1"/>
+          </a:effectRef>
+          <a:fontRef idx="minor">
+            <a:schemeClr val="tx1"/>
+          </a:fontRef>
+        </p:style>
+      </p:cxnSp>
+      <p:cxnSp>
+        <p:nvCxnSpPr>
+          <p:cNvPr id="69" name="Straight Connector 68"/>
           <p:cNvCxnSpPr/>
           <p:nvPr/>
         </p:nvCxnSpPr>
         <p:spPr>
           <a:xfrm flipV="1">
-            <a:off x="5671653" y="5141188"/>
-            <a:ext cx="1542802" cy="661983"/>
-          </a:xfrm>
-          <a:prstGeom prst="bentConnector3">
+            <a:off x="653143" y="2889453"/>
+            <a:ext cx="0" cy="3496833"/>
+          </a:xfrm>
+          <a:prstGeom prst="line">
             <a:avLst/>
           </a:prstGeom>
           <a:ln>
-            <a:tailEnd type="arrow"/>
+            <a:solidFill>
+              <a:srgbClr val="000000"/>
+            </a:solidFill>
           </a:ln>
         </p:spPr>
         <p:style>
